--- a/padlock/画像作成用スライド.pptx
+++ b/padlock/画像作成用スライド.pptx
@@ -4,8 +4,12 @@
   <p:sldMasterIdLst>
     <p:sldMasterId id="2147483648" r:id="rId1"/>
   </p:sldMasterIdLst>
+  <p:notesMasterIdLst>
+    <p:notesMasterId r:id="rId4"/>
+  </p:notesMasterIdLst>
   <p:sldIdLst>
     <p:sldId id="256" r:id="rId2"/>
+    <p:sldId id="257" r:id="rId3"/>
   </p:sldIdLst>
   <p:sldSz cx="12192000" cy="6858000"/>
   <p:notesSz cx="6858000" cy="9144000"/>
@@ -104,7 +108,477 @@
       </a:defRPr>
     </a:lvl9pPr>
   </p:defaultTextStyle>
+  <p:extLst>
+    <p:ext uri="{EFAFB233-063F-42B5-8137-9DF3F51BA10A}">
+      <p15:sldGuideLst xmlns:p15="http://schemas.microsoft.com/office/powerpoint/2012/main"/>
+    </p:ext>
+  </p:extLst>
 </p:presentation>
+</file>
+
+<file path=ppt/notesMasters/notesMaster1.xml><?xml version="1.0" encoding="utf-8"?>
+<p:notesMaster xmlns:a="http://schemas.openxmlformats.org/drawingml/2006/main" xmlns:r="http://schemas.openxmlformats.org/officeDocument/2006/relationships" xmlns:p="http://schemas.openxmlformats.org/presentationml/2006/main">
+  <p:cSld>
+    <p:bg>
+      <p:bgRef idx="1001">
+        <a:schemeClr val="bg1"/>
+      </p:bgRef>
+    </p:bg>
+    <p:spTree>
+      <p:nvGrpSpPr>
+        <p:cNvPr id="1" name=""/>
+        <p:cNvGrpSpPr/>
+        <p:nvPr/>
+      </p:nvGrpSpPr>
+      <p:grpSpPr>
+        <a:xfrm>
+          <a:off x="0" y="0"/>
+          <a:ext cx="0" cy="0"/>
+          <a:chOff x="0" y="0"/>
+          <a:chExt cx="0" cy="0"/>
+        </a:xfrm>
+      </p:grpSpPr>
+      <p:sp>
+        <p:nvSpPr>
+          <p:cNvPr id="2" name="ヘッダー プレースホルダー 1"/>
+          <p:cNvSpPr>
+            <a:spLocks noGrp="1"/>
+          </p:cNvSpPr>
+          <p:nvPr>
+            <p:ph type="hdr" sz="quarter"/>
+          </p:nvPr>
+        </p:nvSpPr>
+        <p:spPr>
+          <a:xfrm>
+            <a:off x="0" y="0"/>
+            <a:ext cx="2971800" cy="458788"/>
+          </a:xfrm>
+          <a:prstGeom prst="rect">
+            <a:avLst/>
+          </a:prstGeom>
+        </p:spPr>
+        <p:txBody>
+          <a:bodyPr vert="horz" lIns="91440" tIns="45720" rIns="91440" bIns="45720" rtlCol="0"/>
+          <a:lstStyle>
+            <a:lvl1pPr algn="l">
+              <a:defRPr sz="1200"/>
+            </a:lvl1pPr>
+          </a:lstStyle>
+          <a:p>
+            <a:endParaRPr kumimoji="1" lang="ja-JP" altLang="en-US"/>
+          </a:p>
+        </p:txBody>
+      </p:sp>
+      <p:sp>
+        <p:nvSpPr>
+          <p:cNvPr id="3" name="日付プレースホルダー 2"/>
+          <p:cNvSpPr>
+            <a:spLocks noGrp="1"/>
+          </p:cNvSpPr>
+          <p:nvPr>
+            <p:ph type="dt" idx="1"/>
+          </p:nvPr>
+        </p:nvSpPr>
+        <p:spPr>
+          <a:xfrm>
+            <a:off x="3884613" y="0"/>
+            <a:ext cx="2971800" cy="458788"/>
+          </a:xfrm>
+          <a:prstGeom prst="rect">
+            <a:avLst/>
+          </a:prstGeom>
+        </p:spPr>
+        <p:txBody>
+          <a:bodyPr vert="horz" lIns="91440" tIns="45720" rIns="91440" bIns="45720" rtlCol="0"/>
+          <a:lstStyle>
+            <a:lvl1pPr algn="r">
+              <a:defRPr sz="1200"/>
+            </a:lvl1pPr>
+          </a:lstStyle>
+          <a:p>
+            <a:fld id="{E7FCD28F-FC52-8A4C-B68D-7724B9610479}" type="datetimeFigureOut">
+              <a:rPr kumimoji="1" lang="ja-JP" altLang="en-US" smtClean="0"/>
+              <a:t>2021/8/14</a:t>
+            </a:fld>
+            <a:endParaRPr kumimoji="1" lang="ja-JP" altLang="en-US"/>
+          </a:p>
+        </p:txBody>
+      </p:sp>
+      <p:sp>
+        <p:nvSpPr>
+          <p:cNvPr id="4" name="スライド イメージ プレースホルダー 3"/>
+          <p:cNvSpPr>
+            <a:spLocks noGrp="1" noRot="1" noChangeAspect="1"/>
+          </p:cNvSpPr>
+          <p:nvPr>
+            <p:ph type="sldImg" idx="2"/>
+          </p:nvPr>
+        </p:nvSpPr>
+        <p:spPr>
+          <a:xfrm>
+            <a:off x="685800" y="1143000"/>
+            <a:ext cx="5486400" cy="3086100"/>
+          </a:xfrm>
+          <a:prstGeom prst="rect">
+            <a:avLst/>
+          </a:prstGeom>
+          <a:noFill/>
+          <a:ln w="12700">
+            <a:solidFill>
+              <a:prstClr val="black"/>
+            </a:solidFill>
+          </a:ln>
+        </p:spPr>
+        <p:txBody>
+          <a:bodyPr vert="horz" lIns="91440" tIns="45720" rIns="91440" bIns="45720" rtlCol="0" anchor="ctr"/>
+          <a:lstStyle/>
+          <a:p>
+            <a:endParaRPr lang="ja-JP" altLang="en-US"/>
+          </a:p>
+        </p:txBody>
+      </p:sp>
+      <p:sp>
+        <p:nvSpPr>
+          <p:cNvPr id="5" name="ノート プレースホルダー 4"/>
+          <p:cNvSpPr>
+            <a:spLocks noGrp="1"/>
+          </p:cNvSpPr>
+          <p:nvPr>
+            <p:ph type="body" sz="quarter" idx="3"/>
+          </p:nvPr>
+        </p:nvSpPr>
+        <p:spPr>
+          <a:xfrm>
+            <a:off x="685800" y="4400550"/>
+            <a:ext cx="5486400" cy="3600450"/>
+          </a:xfrm>
+          <a:prstGeom prst="rect">
+            <a:avLst/>
+          </a:prstGeom>
+        </p:spPr>
+        <p:txBody>
+          <a:bodyPr vert="horz" lIns="91440" tIns="45720" rIns="91440" bIns="45720" rtlCol="0"/>
+          <a:lstStyle/>
+          <a:p>
+            <a:pPr lvl="0"/>
+            <a:r>
+              <a:rPr kumimoji="1" lang="ja-JP" altLang="en-US"/>
+              <a:t>マスター テキストの書式設定</a:t>
+            </a:r>
+          </a:p>
+          <a:p>
+            <a:pPr lvl="1"/>
+            <a:r>
+              <a:rPr kumimoji="1" lang="ja-JP" altLang="en-US"/>
+              <a:t>第 </a:t>
+            </a:r>
+            <a:r>
+              <a:rPr kumimoji="1" lang="en-US" altLang="ja-JP"/>
+              <a:t>2 </a:t>
+            </a:r>
+            <a:r>
+              <a:rPr kumimoji="1" lang="ja-JP" altLang="en-US"/>
+              <a:t>レベル</a:t>
+            </a:r>
+          </a:p>
+          <a:p>
+            <a:pPr lvl="2"/>
+            <a:r>
+              <a:rPr kumimoji="1" lang="ja-JP" altLang="en-US"/>
+              <a:t>第 </a:t>
+            </a:r>
+            <a:r>
+              <a:rPr kumimoji="1" lang="en-US" altLang="ja-JP"/>
+              <a:t>3 </a:t>
+            </a:r>
+            <a:r>
+              <a:rPr kumimoji="1" lang="ja-JP" altLang="en-US"/>
+              <a:t>レベル</a:t>
+            </a:r>
+          </a:p>
+          <a:p>
+            <a:pPr lvl="3"/>
+            <a:r>
+              <a:rPr kumimoji="1" lang="ja-JP" altLang="en-US"/>
+              <a:t>第 </a:t>
+            </a:r>
+            <a:r>
+              <a:rPr kumimoji="1" lang="en-US" altLang="ja-JP"/>
+              <a:t>4 </a:t>
+            </a:r>
+            <a:r>
+              <a:rPr kumimoji="1" lang="ja-JP" altLang="en-US"/>
+              <a:t>レベル</a:t>
+            </a:r>
+          </a:p>
+          <a:p>
+            <a:pPr lvl="4"/>
+            <a:r>
+              <a:rPr kumimoji="1" lang="ja-JP" altLang="en-US"/>
+              <a:t>第 </a:t>
+            </a:r>
+            <a:r>
+              <a:rPr kumimoji="1" lang="en-US" altLang="ja-JP"/>
+              <a:t>5 </a:t>
+            </a:r>
+            <a:r>
+              <a:rPr kumimoji="1" lang="ja-JP" altLang="en-US"/>
+              <a:t>レベル</a:t>
+            </a:r>
+          </a:p>
+        </p:txBody>
+      </p:sp>
+      <p:sp>
+        <p:nvSpPr>
+          <p:cNvPr id="6" name="フッター プレースホルダー 5"/>
+          <p:cNvSpPr>
+            <a:spLocks noGrp="1"/>
+          </p:cNvSpPr>
+          <p:nvPr>
+            <p:ph type="ftr" sz="quarter" idx="4"/>
+          </p:nvPr>
+        </p:nvSpPr>
+        <p:spPr>
+          <a:xfrm>
+            <a:off x="0" y="8685213"/>
+            <a:ext cx="2971800" cy="458787"/>
+          </a:xfrm>
+          <a:prstGeom prst="rect">
+            <a:avLst/>
+          </a:prstGeom>
+        </p:spPr>
+        <p:txBody>
+          <a:bodyPr vert="horz" lIns="91440" tIns="45720" rIns="91440" bIns="45720" rtlCol="0" anchor="b"/>
+          <a:lstStyle>
+            <a:lvl1pPr algn="l">
+              <a:defRPr sz="1200"/>
+            </a:lvl1pPr>
+          </a:lstStyle>
+          <a:p>
+            <a:endParaRPr kumimoji="1" lang="ja-JP" altLang="en-US"/>
+          </a:p>
+        </p:txBody>
+      </p:sp>
+      <p:sp>
+        <p:nvSpPr>
+          <p:cNvPr id="7" name="スライド番号プレースホルダー 6"/>
+          <p:cNvSpPr>
+            <a:spLocks noGrp="1"/>
+          </p:cNvSpPr>
+          <p:nvPr>
+            <p:ph type="sldNum" sz="quarter" idx="5"/>
+          </p:nvPr>
+        </p:nvSpPr>
+        <p:spPr>
+          <a:xfrm>
+            <a:off x="3884613" y="8685213"/>
+            <a:ext cx="2971800" cy="458787"/>
+          </a:xfrm>
+          <a:prstGeom prst="rect">
+            <a:avLst/>
+          </a:prstGeom>
+        </p:spPr>
+        <p:txBody>
+          <a:bodyPr vert="horz" lIns="91440" tIns="45720" rIns="91440" bIns="45720" rtlCol="0" anchor="b"/>
+          <a:lstStyle>
+            <a:lvl1pPr algn="r">
+              <a:defRPr sz="1200"/>
+            </a:lvl1pPr>
+          </a:lstStyle>
+          <a:p>
+            <a:fld id="{C748BDB0-DA49-4941-B43E-FF910A031688}" type="slidenum">
+              <a:rPr kumimoji="1" lang="ja-JP" altLang="en-US" smtClean="0"/>
+              <a:t>‹#›</a:t>
+            </a:fld>
+            <a:endParaRPr kumimoji="1" lang="ja-JP" altLang="en-US"/>
+          </a:p>
+        </p:txBody>
+      </p:sp>
+    </p:spTree>
+    <p:extLst>
+      <p:ext uri="{BB962C8B-B14F-4D97-AF65-F5344CB8AC3E}">
+        <p14:creationId xmlns:p14="http://schemas.microsoft.com/office/powerpoint/2010/main" val="3371371241"/>
+      </p:ext>
+    </p:extLst>
+  </p:cSld>
+  <p:clrMap bg1="lt1" tx1="dk1" bg2="lt2" tx2="dk2" accent1="accent1" accent2="accent2" accent3="accent3" accent4="accent4" accent5="accent5" accent6="accent6" hlink="hlink" folHlink="folHlink"/>
+  <p:notesStyle>
+    <a:lvl1pPr marL="0" algn="l" defTabSz="914400" rtl="0" eaLnBrk="1" latinLnBrk="0" hangingPunct="1">
+      <a:defRPr kumimoji="1" sz="1200" kern="1200">
+        <a:solidFill>
+          <a:schemeClr val="tx1"/>
+        </a:solidFill>
+        <a:latin typeface="+mn-lt"/>
+        <a:ea typeface="+mn-ea"/>
+        <a:cs typeface="+mn-cs"/>
+      </a:defRPr>
+    </a:lvl1pPr>
+    <a:lvl2pPr marL="457200" algn="l" defTabSz="914400" rtl="0" eaLnBrk="1" latinLnBrk="0" hangingPunct="1">
+      <a:defRPr kumimoji="1" sz="1200" kern="1200">
+        <a:solidFill>
+          <a:schemeClr val="tx1"/>
+        </a:solidFill>
+        <a:latin typeface="+mn-lt"/>
+        <a:ea typeface="+mn-ea"/>
+        <a:cs typeface="+mn-cs"/>
+      </a:defRPr>
+    </a:lvl2pPr>
+    <a:lvl3pPr marL="914400" algn="l" defTabSz="914400" rtl="0" eaLnBrk="1" latinLnBrk="0" hangingPunct="1">
+      <a:defRPr kumimoji="1" sz="1200" kern="1200">
+        <a:solidFill>
+          <a:schemeClr val="tx1"/>
+        </a:solidFill>
+        <a:latin typeface="+mn-lt"/>
+        <a:ea typeface="+mn-ea"/>
+        <a:cs typeface="+mn-cs"/>
+      </a:defRPr>
+    </a:lvl3pPr>
+    <a:lvl4pPr marL="1371600" algn="l" defTabSz="914400" rtl="0" eaLnBrk="1" latinLnBrk="0" hangingPunct="1">
+      <a:defRPr kumimoji="1" sz="1200" kern="1200">
+        <a:solidFill>
+          <a:schemeClr val="tx1"/>
+        </a:solidFill>
+        <a:latin typeface="+mn-lt"/>
+        <a:ea typeface="+mn-ea"/>
+        <a:cs typeface="+mn-cs"/>
+      </a:defRPr>
+    </a:lvl4pPr>
+    <a:lvl5pPr marL="1828800" algn="l" defTabSz="914400" rtl="0" eaLnBrk="1" latinLnBrk="0" hangingPunct="1">
+      <a:defRPr kumimoji="1" sz="1200" kern="1200">
+        <a:solidFill>
+          <a:schemeClr val="tx1"/>
+        </a:solidFill>
+        <a:latin typeface="+mn-lt"/>
+        <a:ea typeface="+mn-ea"/>
+        <a:cs typeface="+mn-cs"/>
+      </a:defRPr>
+    </a:lvl5pPr>
+    <a:lvl6pPr marL="2286000" algn="l" defTabSz="914400" rtl="0" eaLnBrk="1" latinLnBrk="0" hangingPunct="1">
+      <a:defRPr kumimoji="1" sz="1200" kern="1200">
+        <a:solidFill>
+          <a:schemeClr val="tx1"/>
+        </a:solidFill>
+        <a:latin typeface="+mn-lt"/>
+        <a:ea typeface="+mn-ea"/>
+        <a:cs typeface="+mn-cs"/>
+      </a:defRPr>
+    </a:lvl6pPr>
+    <a:lvl7pPr marL="2743200" algn="l" defTabSz="914400" rtl="0" eaLnBrk="1" latinLnBrk="0" hangingPunct="1">
+      <a:defRPr kumimoji="1" sz="1200" kern="1200">
+        <a:solidFill>
+          <a:schemeClr val="tx1"/>
+        </a:solidFill>
+        <a:latin typeface="+mn-lt"/>
+        <a:ea typeface="+mn-ea"/>
+        <a:cs typeface="+mn-cs"/>
+      </a:defRPr>
+    </a:lvl7pPr>
+    <a:lvl8pPr marL="3200400" algn="l" defTabSz="914400" rtl="0" eaLnBrk="1" latinLnBrk="0" hangingPunct="1">
+      <a:defRPr kumimoji="1" sz="1200" kern="1200">
+        <a:solidFill>
+          <a:schemeClr val="tx1"/>
+        </a:solidFill>
+        <a:latin typeface="+mn-lt"/>
+        <a:ea typeface="+mn-ea"/>
+        <a:cs typeface="+mn-cs"/>
+      </a:defRPr>
+    </a:lvl8pPr>
+    <a:lvl9pPr marL="3657600" algn="l" defTabSz="914400" rtl="0" eaLnBrk="1" latinLnBrk="0" hangingPunct="1">
+      <a:defRPr kumimoji="1" sz="1200" kern="1200">
+        <a:solidFill>
+          <a:schemeClr val="tx1"/>
+        </a:solidFill>
+        <a:latin typeface="+mn-lt"/>
+        <a:ea typeface="+mn-ea"/>
+        <a:cs typeface="+mn-cs"/>
+      </a:defRPr>
+    </a:lvl9pPr>
+  </p:notesStyle>
+</p:notesMaster>
+</file>
+
+<file path=ppt/notesSlides/notesSlide1.xml><?xml version="1.0" encoding="utf-8"?>
+<p:notes xmlns:a="http://schemas.openxmlformats.org/drawingml/2006/main" xmlns:r="http://schemas.openxmlformats.org/officeDocument/2006/relationships" xmlns:p="http://schemas.openxmlformats.org/presentationml/2006/main">
+  <p:cSld>
+    <p:spTree>
+      <p:nvGrpSpPr>
+        <p:cNvPr id="1" name=""/>
+        <p:cNvGrpSpPr/>
+        <p:nvPr/>
+      </p:nvGrpSpPr>
+      <p:grpSpPr>
+        <a:xfrm>
+          <a:off x="0" y="0"/>
+          <a:ext cx="0" cy="0"/>
+          <a:chOff x="0" y="0"/>
+          <a:chExt cx="0" cy="0"/>
+        </a:xfrm>
+      </p:grpSpPr>
+      <p:sp>
+        <p:nvSpPr>
+          <p:cNvPr id="2" name="スライド イメージ プレースホルダー 1"/>
+          <p:cNvSpPr>
+            <a:spLocks noGrp="1" noRot="1" noChangeAspect="1"/>
+          </p:cNvSpPr>
+          <p:nvPr>
+            <p:ph type="sldImg"/>
+          </p:nvPr>
+        </p:nvSpPr>
+        <p:spPr/>
+      </p:sp>
+      <p:sp>
+        <p:nvSpPr>
+          <p:cNvPr id="3" name="ノート プレースホルダー 2"/>
+          <p:cNvSpPr>
+            <a:spLocks noGrp="1"/>
+          </p:cNvSpPr>
+          <p:nvPr>
+            <p:ph type="body" idx="1"/>
+          </p:nvPr>
+        </p:nvSpPr>
+        <p:spPr/>
+        <p:txBody>
+          <a:bodyPr/>
+          <a:lstStyle/>
+          <a:p>
+            <a:endParaRPr kumimoji="1" lang="ja-JP" altLang="en-US"/>
+          </a:p>
+        </p:txBody>
+      </p:sp>
+      <p:sp>
+        <p:nvSpPr>
+          <p:cNvPr id="4" name="スライド番号プレースホルダー 3"/>
+          <p:cNvSpPr>
+            <a:spLocks noGrp="1"/>
+          </p:cNvSpPr>
+          <p:nvPr>
+            <p:ph type="sldNum" sz="quarter" idx="5"/>
+          </p:nvPr>
+        </p:nvSpPr>
+        <p:spPr/>
+        <p:txBody>
+          <a:bodyPr/>
+          <a:lstStyle/>
+          <a:p>
+            <a:fld id="{C748BDB0-DA49-4941-B43E-FF910A031688}" type="slidenum">
+              <a:rPr kumimoji="1" lang="ja-JP" altLang="en-US" smtClean="0"/>
+              <a:t>2</a:t>
+            </a:fld>
+            <a:endParaRPr kumimoji="1" lang="ja-JP" altLang="en-US"/>
+          </a:p>
+        </p:txBody>
+      </p:sp>
+    </p:spTree>
+    <p:extLst>
+      <p:ext uri="{BB962C8B-B14F-4D97-AF65-F5344CB8AC3E}">
+        <p14:creationId xmlns:p14="http://schemas.microsoft.com/office/powerpoint/2010/main" val="1684633698"/>
+      </p:ext>
+    </p:extLst>
+  </p:cSld>
+  <p:clrMapOvr>
+    <a:masterClrMapping/>
+  </p:clrMapOvr>
+</p:notes>
 </file>
 
 <file path=ppt/slideLayouts/slideLayout1.xml><?xml version="1.0" encoding="utf-8"?>
@@ -3671,19 +4145,8 @@
                 <a:effectLst/>
                 <a:latin typeface="Helvetica" pitchFamily="2" charset="0"/>
               </a:rPr>
-              <a:t>https://</a:t>
-            </a:r>
-            <a:r>
-              <a:rPr lang="en" altLang="ja-JP" b="0" dirty="0" err="1">
-                <a:effectLst/>
-                <a:latin typeface="Helvetica" pitchFamily="2" charset="0"/>
-              </a:rPr>
-              <a:t>www.alsok.co.jp</a:t>
-            </a:r>
-            <a:endParaRPr lang="en" altLang="ja-JP" b="0" dirty="0">
-              <a:effectLst/>
-              <a:latin typeface="Helvetica" pitchFamily="2" charset="0"/>
-            </a:endParaRPr>
+              <a:t>https://www.alsok.co.jp</a:t>
+            </a:r>
           </a:p>
         </p:txBody>
       </p:sp>
@@ -4275,6 +4738,1066 @@
     <p:extLst>
       <p:ext uri="{BB962C8B-B14F-4D97-AF65-F5344CB8AC3E}">
         <p14:creationId xmlns:p14="http://schemas.microsoft.com/office/powerpoint/2010/main" val="749534014"/>
+      </p:ext>
+    </p:extLst>
+  </p:cSld>
+  <p:clrMapOvr>
+    <a:masterClrMapping/>
+  </p:clrMapOvr>
+</p:sld>
+</file>
+
+<file path=ppt/slides/slide2.xml><?xml version="1.0" encoding="utf-8"?>
+<p:sld xmlns:a="http://schemas.openxmlformats.org/drawingml/2006/main" xmlns:r="http://schemas.openxmlformats.org/officeDocument/2006/relationships" xmlns:p="http://schemas.openxmlformats.org/presentationml/2006/main">
+  <p:cSld>
+    <p:spTree>
+      <p:nvGrpSpPr>
+        <p:cNvPr id="1" name=""/>
+        <p:cNvGrpSpPr/>
+        <p:nvPr/>
+      </p:nvGrpSpPr>
+      <p:grpSpPr>
+        <a:xfrm>
+          <a:off x="0" y="0"/>
+          <a:ext cx="0" cy="0"/>
+          <a:chOff x="0" y="0"/>
+          <a:chExt cx="0" cy="0"/>
+        </a:xfrm>
+      </p:grpSpPr>
+      <p:sp>
+        <p:nvSpPr>
+          <p:cNvPr id="7" name="正方形/長方形 6">
+            <a:extLst>
+              <a:ext uri="{FF2B5EF4-FFF2-40B4-BE49-F238E27FC236}">
+                <a16:creationId xmlns:a16="http://schemas.microsoft.com/office/drawing/2014/main" id="{ED849905-A6FB-F943-927C-0ACD396DB3E1}"/>
+              </a:ext>
+            </a:extLst>
+          </p:cNvPr>
+          <p:cNvSpPr/>
+          <p:nvPr/>
+        </p:nvSpPr>
+        <p:spPr>
+          <a:xfrm>
+            <a:off x="330200" y="445105"/>
+            <a:ext cx="2296886" cy="5366656"/>
+          </a:xfrm>
+          <a:prstGeom prst="rect">
+            <a:avLst/>
+          </a:prstGeom>
+          <a:solidFill>
+            <a:schemeClr val="accent1">
+              <a:lumMod val="60000"/>
+              <a:lumOff val="40000"/>
+            </a:schemeClr>
+          </a:solidFill>
+          <a:ln>
+            <a:noFill/>
+          </a:ln>
+        </p:spPr>
+        <p:style>
+          <a:lnRef idx="2">
+            <a:schemeClr val="accent1">
+              <a:shade val="50000"/>
+            </a:schemeClr>
+          </a:lnRef>
+          <a:fillRef idx="1">
+            <a:schemeClr val="accent1"/>
+          </a:fillRef>
+          <a:effectRef idx="0">
+            <a:schemeClr val="accent1"/>
+          </a:effectRef>
+          <a:fontRef idx="minor">
+            <a:schemeClr val="lt1"/>
+          </a:fontRef>
+        </p:style>
+        <p:txBody>
+          <a:bodyPr rtlCol="0" anchor="ctr"/>
+          <a:lstStyle/>
+          <a:p>
+            <a:pPr algn="ctr"/>
+            <a:endParaRPr kumimoji="1" lang="ja-JP" altLang="en-US"/>
+          </a:p>
+        </p:txBody>
+      </p:sp>
+      <p:sp>
+        <p:nvSpPr>
+          <p:cNvPr id="8" name="円/楕円 7">
+            <a:extLst>
+              <a:ext uri="{FF2B5EF4-FFF2-40B4-BE49-F238E27FC236}">
+                <a16:creationId xmlns:a16="http://schemas.microsoft.com/office/drawing/2014/main" id="{73001221-D0B4-3F41-A79A-9B524BAA754D}"/>
+              </a:ext>
+            </a:extLst>
+          </p:cNvPr>
+          <p:cNvSpPr/>
+          <p:nvPr/>
+        </p:nvSpPr>
+        <p:spPr>
+          <a:xfrm>
+            <a:off x="1244600" y="793447"/>
+            <a:ext cx="468086" cy="468086"/>
+          </a:xfrm>
+          <a:prstGeom prst="ellipse">
+            <a:avLst/>
+          </a:prstGeom>
+          <a:solidFill>
+            <a:schemeClr val="bg2">
+              <a:lumMod val="50000"/>
+            </a:schemeClr>
+          </a:solidFill>
+          <a:ln>
+            <a:solidFill>
+              <a:schemeClr val="tx1"/>
+            </a:solidFill>
+          </a:ln>
+        </p:spPr>
+        <p:style>
+          <a:lnRef idx="2">
+            <a:schemeClr val="accent1">
+              <a:shade val="50000"/>
+            </a:schemeClr>
+          </a:lnRef>
+          <a:fillRef idx="1">
+            <a:schemeClr val="accent1"/>
+          </a:fillRef>
+          <a:effectRef idx="0">
+            <a:schemeClr val="accent1"/>
+          </a:effectRef>
+          <a:fontRef idx="minor">
+            <a:schemeClr val="lt1"/>
+          </a:fontRef>
+        </p:style>
+        <p:txBody>
+          <a:bodyPr rtlCol="0" anchor="ctr"/>
+          <a:lstStyle/>
+          <a:p>
+            <a:pPr algn="ctr"/>
+            <a:endParaRPr kumimoji="1" lang="ja-JP" altLang="en-US"/>
+          </a:p>
+        </p:txBody>
+      </p:sp>
+      <p:sp>
+        <p:nvSpPr>
+          <p:cNvPr id="9" name="円/楕円 8">
+            <a:extLst>
+              <a:ext uri="{FF2B5EF4-FFF2-40B4-BE49-F238E27FC236}">
+                <a16:creationId xmlns:a16="http://schemas.microsoft.com/office/drawing/2014/main" id="{F4219192-4B69-1F4E-94FF-40BFA348FE49}"/>
+              </a:ext>
+            </a:extLst>
+          </p:cNvPr>
+          <p:cNvSpPr/>
+          <p:nvPr/>
+        </p:nvSpPr>
+        <p:spPr>
+          <a:xfrm>
+            <a:off x="1478643" y="1656139"/>
+            <a:ext cx="468086" cy="468086"/>
+          </a:xfrm>
+          <a:prstGeom prst="ellipse">
+            <a:avLst/>
+          </a:prstGeom>
+          <a:solidFill>
+            <a:schemeClr val="bg2">
+              <a:lumMod val="50000"/>
+            </a:schemeClr>
+          </a:solidFill>
+          <a:ln>
+            <a:solidFill>
+              <a:schemeClr val="tx1"/>
+            </a:solidFill>
+          </a:ln>
+        </p:spPr>
+        <p:style>
+          <a:lnRef idx="2">
+            <a:schemeClr val="accent1">
+              <a:shade val="50000"/>
+            </a:schemeClr>
+          </a:lnRef>
+          <a:fillRef idx="1">
+            <a:schemeClr val="accent1"/>
+          </a:fillRef>
+          <a:effectRef idx="0">
+            <a:schemeClr val="accent1"/>
+          </a:effectRef>
+          <a:fontRef idx="minor">
+            <a:schemeClr val="lt1"/>
+          </a:fontRef>
+        </p:style>
+        <p:txBody>
+          <a:bodyPr rtlCol="0" anchor="ctr"/>
+          <a:lstStyle/>
+          <a:p>
+            <a:pPr algn="ctr"/>
+            <a:endParaRPr kumimoji="1" lang="ja-JP" altLang="en-US"/>
+          </a:p>
+        </p:txBody>
+      </p:sp>
+      <p:sp>
+        <p:nvSpPr>
+          <p:cNvPr id="10" name="円/楕円 9">
+            <a:extLst>
+              <a:ext uri="{FF2B5EF4-FFF2-40B4-BE49-F238E27FC236}">
+                <a16:creationId xmlns:a16="http://schemas.microsoft.com/office/drawing/2014/main" id="{1ABD99CA-6B7B-B149-AE78-31EF1D211244}"/>
+              </a:ext>
+            </a:extLst>
+          </p:cNvPr>
+          <p:cNvSpPr/>
+          <p:nvPr/>
+        </p:nvSpPr>
+        <p:spPr>
+          <a:xfrm>
+            <a:off x="1108530" y="2518831"/>
+            <a:ext cx="468086" cy="468086"/>
+          </a:xfrm>
+          <a:prstGeom prst="ellipse">
+            <a:avLst/>
+          </a:prstGeom>
+          <a:solidFill>
+            <a:schemeClr val="bg2">
+              <a:lumMod val="50000"/>
+            </a:schemeClr>
+          </a:solidFill>
+          <a:ln>
+            <a:solidFill>
+              <a:schemeClr val="tx1"/>
+            </a:solidFill>
+          </a:ln>
+        </p:spPr>
+        <p:style>
+          <a:lnRef idx="2">
+            <a:schemeClr val="accent1">
+              <a:shade val="50000"/>
+            </a:schemeClr>
+          </a:lnRef>
+          <a:fillRef idx="1">
+            <a:schemeClr val="accent1"/>
+          </a:fillRef>
+          <a:effectRef idx="0">
+            <a:schemeClr val="accent1"/>
+          </a:effectRef>
+          <a:fontRef idx="minor">
+            <a:schemeClr val="lt1"/>
+          </a:fontRef>
+        </p:style>
+        <p:txBody>
+          <a:bodyPr rtlCol="0" anchor="ctr"/>
+          <a:lstStyle/>
+          <a:p>
+            <a:pPr algn="ctr"/>
+            <a:endParaRPr kumimoji="1" lang="ja-JP" altLang="en-US"/>
+          </a:p>
+        </p:txBody>
+      </p:sp>
+      <p:sp>
+        <p:nvSpPr>
+          <p:cNvPr id="11" name="円/楕円 10">
+            <a:extLst>
+              <a:ext uri="{FF2B5EF4-FFF2-40B4-BE49-F238E27FC236}">
+                <a16:creationId xmlns:a16="http://schemas.microsoft.com/office/drawing/2014/main" id="{55619FDB-53F1-D944-BDAB-55B09E7C2EF5}"/>
+              </a:ext>
+            </a:extLst>
+          </p:cNvPr>
+          <p:cNvSpPr/>
+          <p:nvPr/>
+        </p:nvSpPr>
+        <p:spPr>
+          <a:xfrm>
+            <a:off x="1299029" y="3381523"/>
+            <a:ext cx="468086" cy="468086"/>
+          </a:xfrm>
+          <a:prstGeom prst="ellipse">
+            <a:avLst/>
+          </a:prstGeom>
+          <a:solidFill>
+            <a:schemeClr val="bg2">
+              <a:lumMod val="50000"/>
+            </a:schemeClr>
+          </a:solidFill>
+          <a:ln>
+            <a:solidFill>
+              <a:schemeClr val="tx1"/>
+            </a:solidFill>
+          </a:ln>
+        </p:spPr>
+        <p:style>
+          <a:lnRef idx="2">
+            <a:schemeClr val="accent1">
+              <a:shade val="50000"/>
+            </a:schemeClr>
+          </a:lnRef>
+          <a:fillRef idx="1">
+            <a:schemeClr val="accent1"/>
+          </a:fillRef>
+          <a:effectRef idx="0">
+            <a:schemeClr val="accent1"/>
+          </a:effectRef>
+          <a:fontRef idx="minor">
+            <a:schemeClr val="lt1"/>
+          </a:fontRef>
+        </p:style>
+        <p:txBody>
+          <a:bodyPr rtlCol="0" anchor="ctr"/>
+          <a:lstStyle/>
+          <a:p>
+            <a:pPr algn="ctr"/>
+            <a:endParaRPr kumimoji="1" lang="ja-JP" altLang="en-US"/>
+          </a:p>
+        </p:txBody>
+      </p:sp>
+      <p:sp>
+        <p:nvSpPr>
+          <p:cNvPr id="12" name="円/楕円 11">
+            <a:extLst>
+              <a:ext uri="{FF2B5EF4-FFF2-40B4-BE49-F238E27FC236}">
+                <a16:creationId xmlns:a16="http://schemas.microsoft.com/office/drawing/2014/main" id="{0441810F-6CFF-EC48-9066-608D77AB4D9B}"/>
+              </a:ext>
+            </a:extLst>
+          </p:cNvPr>
+          <p:cNvSpPr/>
+          <p:nvPr/>
+        </p:nvSpPr>
+        <p:spPr>
+          <a:xfrm>
+            <a:off x="1478643" y="4244215"/>
+            <a:ext cx="468086" cy="468086"/>
+          </a:xfrm>
+          <a:prstGeom prst="ellipse">
+            <a:avLst/>
+          </a:prstGeom>
+          <a:solidFill>
+            <a:schemeClr val="bg2">
+              <a:lumMod val="50000"/>
+            </a:schemeClr>
+          </a:solidFill>
+          <a:ln>
+            <a:solidFill>
+              <a:schemeClr val="tx1"/>
+            </a:solidFill>
+          </a:ln>
+        </p:spPr>
+        <p:style>
+          <a:lnRef idx="2">
+            <a:schemeClr val="accent1">
+              <a:shade val="50000"/>
+            </a:schemeClr>
+          </a:lnRef>
+          <a:fillRef idx="1">
+            <a:schemeClr val="accent1"/>
+          </a:fillRef>
+          <a:effectRef idx="0">
+            <a:schemeClr val="accent1"/>
+          </a:effectRef>
+          <a:fontRef idx="minor">
+            <a:schemeClr val="lt1"/>
+          </a:fontRef>
+        </p:style>
+        <p:txBody>
+          <a:bodyPr rtlCol="0" anchor="ctr"/>
+          <a:lstStyle/>
+          <a:p>
+            <a:pPr algn="ctr"/>
+            <a:endParaRPr kumimoji="1" lang="ja-JP" altLang="en-US"/>
+          </a:p>
+        </p:txBody>
+      </p:sp>
+      <p:sp>
+        <p:nvSpPr>
+          <p:cNvPr id="13" name="円/楕円 12">
+            <a:extLst>
+              <a:ext uri="{FF2B5EF4-FFF2-40B4-BE49-F238E27FC236}">
+                <a16:creationId xmlns:a16="http://schemas.microsoft.com/office/drawing/2014/main" id="{DA19195B-013E-B04A-83B7-BA6C981DEE0A}"/>
+              </a:ext>
+            </a:extLst>
+          </p:cNvPr>
+          <p:cNvSpPr/>
+          <p:nvPr/>
+        </p:nvSpPr>
+        <p:spPr>
+          <a:xfrm>
+            <a:off x="1342573" y="5106907"/>
+            <a:ext cx="468086" cy="468086"/>
+          </a:xfrm>
+          <a:prstGeom prst="ellipse">
+            <a:avLst/>
+          </a:prstGeom>
+          <a:solidFill>
+            <a:schemeClr val="bg2">
+              <a:lumMod val="50000"/>
+            </a:schemeClr>
+          </a:solidFill>
+          <a:ln>
+            <a:solidFill>
+              <a:schemeClr val="tx1"/>
+            </a:solidFill>
+          </a:ln>
+        </p:spPr>
+        <p:style>
+          <a:lnRef idx="2">
+            <a:schemeClr val="accent1">
+              <a:shade val="50000"/>
+            </a:schemeClr>
+          </a:lnRef>
+          <a:fillRef idx="1">
+            <a:schemeClr val="accent1"/>
+          </a:fillRef>
+          <a:effectRef idx="0">
+            <a:schemeClr val="accent1"/>
+          </a:effectRef>
+          <a:fontRef idx="minor">
+            <a:schemeClr val="lt1"/>
+          </a:fontRef>
+        </p:style>
+        <p:txBody>
+          <a:bodyPr rtlCol="0" anchor="ctr"/>
+          <a:lstStyle/>
+          <a:p>
+            <a:pPr algn="ctr"/>
+            <a:endParaRPr kumimoji="1" lang="ja-JP" altLang="en-US"/>
+          </a:p>
+        </p:txBody>
+      </p:sp>
+      <p:cxnSp>
+        <p:nvCxnSpPr>
+          <p:cNvPr id="15" name="直線コネクタ 14">
+            <a:extLst>
+              <a:ext uri="{FF2B5EF4-FFF2-40B4-BE49-F238E27FC236}">
+                <a16:creationId xmlns:a16="http://schemas.microsoft.com/office/drawing/2014/main" id="{36262354-9D63-8D49-A62E-CB974585A017}"/>
+              </a:ext>
+            </a:extLst>
+          </p:cNvPr>
+          <p:cNvCxnSpPr>
+            <a:stCxn id="7" idx="0"/>
+            <a:endCxn id="7" idx="2"/>
+          </p:cNvCxnSpPr>
+          <p:nvPr/>
+        </p:nvCxnSpPr>
+        <p:spPr>
+          <a:xfrm>
+            <a:off x="1478643" y="445105"/>
+            <a:ext cx="0" cy="5366656"/>
+          </a:xfrm>
+          <a:prstGeom prst="line">
+            <a:avLst/>
+          </a:prstGeom>
+          <a:ln w="12700">
+            <a:solidFill>
+              <a:schemeClr val="tx1"/>
+            </a:solidFill>
+          </a:ln>
+        </p:spPr>
+        <p:style>
+          <a:lnRef idx="1">
+            <a:schemeClr val="accent1"/>
+          </a:lnRef>
+          <a:fillRef idx="0">
+            <a:schemeClr val="accent1"/>
+          </a:fillRef>
+          <a:effectRef idx="0">
+            <a:schemeClr val="accent1"/>
+          </a:effectRef>
+          <a:fontRef idx="minor">
+            <a:schemeClr val="tx1"/>
+          </a:fontRef>
+        </p:style>
+      </p:cxnSp>
+      <p:sp>
+        <p:nvSpPr>
+          <p:cNvPr id="16" name="テキスト ボックス 15">
+            <a:extLst>
+              <a:ext uri="{FF2B5EF4-FFF2-40B4-BE49-F238E27FC236}">
+                <a16:creationId xmlns:a16="http://schemas.microsoft.com/office/drawing/2014/main" id="{E4E2E5AB-4F6C-EB4C-8EA6-B6280A7C758E}"/>
+              </a:ext>
+            </a:extLst>
+          </p:cNvPr>
+          <p:cNvSpPr txBox="1"/>
+          <p:nvPr/>
+        </p:nvSpPr>
+        <p:spPr>
+          <a:xfrm>
+            <a:off x="1097646" y="75773"/>
+            <a:ext cx="685800" cy="369332"/>
+          </a:xfrm>
+          <a:prstGeom prst="rect">
+            <a:avLst/>
+          </a:prstGeom>
+          <a:noFill/>
+        </p:spPr>
+        <p:txBody>
+          <a:bodyPr wrap="square" rtlCol="0">
+            <a:spAutoFit/>
+          </a:bodyPr>
+          <a:lstStyle/>
+          <a:p>
+            <a:pPr algn="ctr"/>
+            <a:r>
+              <a:rPr kumimoji="1" lang="ja-JP" altLang="en-US">
+                <a:latin typeface="Meiryo" panose="020B0604030504040204" pitchFamily="34" charset="-128"/>
+                <a:ea typeface="Meiryo" panose="020B0604030504040204" pitchFamily="34" charset="-128"/>
+              </a:rPr>
+              <a:t>中心</a:t>
+            </a:r>
+          </a:p>
+        </p:txBody>
+      </p:sp>
+      <p:sp>
+        <p:nvSpPr>
+          <p:cNvPr id="18" name="テキスト ボックス 17">
+            <a:extLst>
+              <a:ext uri="{FF2B5EF4-FFF2-40B4-BE49-F238E27FC236}">
+                <a16:creationId xmlns:a16="http://schemas.microsoft.com/office/drawing/2014/main" id="{EFC94E58-FD77-FE49-A4C1-21A2FAA175EC}"/>
+              </a:ext>
+            </a:extLst>
+          </p:cNvPr>
+          <p:cNvSpPr txBox="1"/>
+          <p:nvPr/>
+        </p:nvSpPr>
+        <p:spPr>
+          <a:xfrm>
+            <a:off x="-393700" y="5960048"/>
+            <a:ext cx="3744686" cy="400110"/>
+          </a:xfrm>
+          <a:prstGeom prst="rect">
+            <a:avLst/>
+          </a:prstGeom>
+          <a:noFill/>
+        </p:spPr>
+        <p:txBody>
+          <a:bodyPr wrap="square" rtlCol="0">
+            <a:spAutoFit/>
+          </a:bodyPr>
+          <a:lstStyle/>
+          <a:p>
+            <a:pPr algn="ctr"/>
+            <a:r>
+              <a:rPr kumimoji="1" lang="ja-JP" altLang="en-US" sz="2000">
+                <a:latin typeface="Meiryo" panose="020B0604030504040204" pitchFamily="34" charset="-128"/>
+                <a:ea typeface="Meiryo" panose="020B0604030504040204" pitchFamily="34" charset="-128"/>
+              </a:rPr>
+              <a:t>鍵の内筒を上から見た図</a:t>
+            </a:r>
+          </a:p>
+        </p:txBody>
+      </p:sp>
+      <p:sp>
+        <p:nvSpPr>
+          <p:cNvPr id="2" name="テキスト ボックス 1">
+            <a:extLst>
+              <a:ext uri="{FF2B5EF4-FFF2-40B4-BE49-F238E27FC236}">
+                <a16:creationId xmlns:a16="http://schemas.microsoft.com/office/drawing/2014/main" id="{64D4F8F3-0512-4E41-86B6-0E6046C2289C}"/>
+              </a:ext>
+            </a:extLst>
+          </p:cNvPr>
+          <p:cNvSpPr txBox="1"/>
+          <p:nvPr/>
+        </p:nvSpPr>
+        <p:spPr>
+          <a:xfrm>
+            <a:off x="2037442" y="4293592"/>
+            <a:ext cx="279400" cy="369332"/>
+          </a:xfrm>
+          <a:prstGeom prst="rect">
+            <a:avLst/>
+          </a:prstGeom>
+          <a:noFill/>
+        </p:spPr>
+        <p:txBody>
+          <a:bodyPr wrap="square" rtlCol="0">
+            <a:spAutoFit/>
+          </a:bodyPr>
+          <a:lstStyle/>
+          <a:p>
+            <a:pPr algn="ctr"/>
+            <a:r>
+              <a:rPr kumimoji="1" lang="en-US" altLang="ja-JP" dirty="0">
+                <a:latin typeface="Meiryo" panose="020B0604030504040204" pitchFamily="34" charset="-128"/>
+                <a:ea typeface="Meiryo" panose="020B0604030504040204" pitchFamily="34" charset="-128"/>
+              </a:rPr>
+              <a:t>1</a:t>
+            </a:r>
+            <a:endParaRPr kumimoji="1" lang="ja-JP" altLang="en-US">
+              <a:latin typeface="Meiryo" panose="020B0604030504040204" pitchFamily="34" charset="-128"/>
+              <a:ea typeface="Meiryo" panose="020B0604030504040204" pitchFamily="34" charset="-128"/>
+            </a:endParaRPr>
+          </a:p>
+        </p:txBody>
+      </p:sp>
+      <p:sp>
+        <p:nvSpPr>
+          <p:cNvPr id="19" name="テキスト ボックス 18">
+            <a:extLst>
+              <a:ext uri="{FF2B5EF4-FFF2-40B4-BE49-F238E27FC236}">
+                <a16:creationId xmlns:a16="http://schemas.microsoft.com/office/drawing/2014/main" id="{BEBCE71C-B9A9-7C4B-85B2-F6AAB9819B38}"/>
+              </a:ext>
+            </a:extLst>
+          </p:cNvPr>
+          <p:cNvSpPr txBox="1"/>
+          <p:nvPr/>
+        </p:nvSpPr>
+        <p:spPr>
+          <a:xfrm>
+            <a:off x="2037442" y="1705516"/>
+            <a:ext cx="279400" cy="369332"/>
+          </a:xfrm>
+          <a:prstGeom prst="rect">
+            <a:avLst/>
+          </a:prstGeom>
+          <a:noFill/>
+        </p:spPr>
+        <p:txBody>
+          <a:bodyPr wrap="square" rtlCol="0">
+            <a:spAutoFit/>
+          </a:bodyPr>
+          <a:lstStyle/>
+          <a:p>
+            <a:pPr algn="ctr"/>
+            <a:r>
+              <a:rPr lang="en-US" altLang="ja-JP" dirty="0">
+                <a:latin typeface="Meiryo" panose="020B0604030504040204" pitchFamily="34" charset="-128"/>
+                <a:ea typeface="Meiryo" panose="020B0604030504040204" pitchFamily="34" charset="-128"/>
+              </a:rPr>
+              <a:t>2</a:t>
+            </a:r>
+            <a:endParaRPr kumimoji="1" lang="ja-JP" altLang="en-US">
+              <a:latin typeface="Meiryo" panose="020B0604030504040204" pitchFamily="34" charset="-128"/>
+              <a:ea typeface="Meiryo" panose="020B0604030504040204" pitchFamily="34" charset="-128"/>
+            </a:endParaRPr>
+          </a:p>
+        </p:txBody>
+      </p:sp>
+      <p:sp>
+        <p:nvSpPr>
+          <p:cNvPr id="20" name="テキスト ボックス 19">
+            <a:extLst>
+              <a:ext uri="{FF2B5EF4-FFF2-40B4-BE49-F238E27FC236}">
+                <a16:creationId xmlns:a16="http://schemas.microsoft.com/office/drawing/2014/main" id="{5E0BEB77-815B-3B4D-84EE-9FFAB29E8850}"/>
+              </a:ext>
+            </a:extLst>
+          </p:cNvPr>
+          <p:cNvSpPr txBox="1"/>
+          <p:nvPr/>
+        </p:nvSpPr>
+        <p:spPr>
+          <a:xfrm>
+            <a:off x="2037442" y="5156284"/>
+            <a:ext cx="279400" cy="369332"/>
+          </a:xfrm>
+          <a:prstGeom prst="rect">
+            <a:avLst/>
+          </a:prstGeom>
+          <a:noFill/>
+        </p:spPr>
+        <p:txBody>
+          <a:bodyPr wrap="square" rtlCol="0">
+            <a:spAutoFit/>
+          </a:bodyPr>
+          <a:lstStyle/>
+          <a:p>
+            <a:pPr algn="ctr"/>
+            <a:r>
+              <a:rPr lang="en-US" altLang="ja-JP" dirty="0">
+                <a:latin typeface="Meiryo" panose="020B0604030504040204" pitchFamily="34" charset="-128"/>
+                <a:ea typeface="Meiryo" panose="020B0604030504040204" pitchFamily="34" charset="-128"/>
+              </a:rPr>
+              <a:t>3</a:t>
+            </a:r>
+            <a:endParaRPr kumimoji="1" lang="ja-JP" altLang="en-US">
+              <a:latin typeface="Meiryo" panose="020B0604030504040204" pitchFamily="34" charset="-128"/>
+              <a:ea typeface="Meiryo" panose="020B0604030504040204" pitchFamily="34" charset="-128"/>
+            </a:endParaRPr>
+          </a:p>
+        </p:txBody>
+      </p:sp>
+      <p:sp>
+        <p:nvSpPr>
+          <p:cNvPr id="21" name="テキスト ボックス 20">
+            <a:extLst>
+              <a:ext uri="{FF2B5EF4-FFF2-40B4-BE49-F238E27FC236}">
+                <a16:creationId xmlns:a16="http://schemas.microsoft.com/office/drawing/2014/main" id="{820AE04A-503E-4A49-87F2-0DB6D9F71336}"/>
+              </a:ext>
+            </a:extLst>
+          </p:cNvPr>
+          <p:cNvSpPr txBox="1"/>
+          <p:nvPr/>
+        </p:nvSpPr>
+        <p:spPr>
+          <a:xfrm>
+            <a:off x="2037442" y="3430900"/>
+            <a:ext cx="279400" cy="369332"/>
+          </a:xfrm>
+          <a:prstGeom prst="rect">
+            <a:avLst/>
+          </a:prstGeom>
+          <a:noFill/>
+        </p:spPr>
+        <p:txBody>
+          <a:bodyPr wrap="square" rtlCol="0">
+            <a:spAutoFit/>
+          </a:bodyPr>
+          <a:lstStyle/>
+          <a:p>
+            <a:pPr algn="ctr"/>
+            <a:r>
+              <a:rPr lang="en-US" altLang="ja-JP" dirty="0">
+                <a:latin typeface="Meiryo" panose="020B0604030504040204" pitchFamily="34" charset="-128"/>
+                <a:ea typeface="Meiryo" panose="020B0604030504040204" pitchFamily="34" charset="-128"/>
+              </a:rPr>
+              <a:t>4</a:t>
+            </a:r>
+            <a:endParaRPr kumimoji="1" lang="ja-JP" altLang="en-US">
+              <a:latin typeface="Meiryo" panose="020B0604030504040204" pitchFamily="34" charset="-128"/>
+              <a:ea typeface="Meiryo" panose="020B0604030504040204" pitchFamily="34" charset="-128"/>
+            </a:endParaRPr>
+          </a:p>
+        </p:txBody>
+      </p:sp>
+      <p:sp>
+        <p:nvSpPr>
+          <p:cNvPr id="22" name="テキスト ボックス 21">
+            <a:extLst>
+              <a:ext uri="{FF2B5EF4-FFF2-40B4-BE49-F238E27FC236}">
+                <a16:creationId xmlns:a16="http://schemas.microsoft.com/office/drawing/2014/main" id="{DA32F4A5-B912-1946-A268-D8204D55EE7E}"/>
+              </a:ext>
+            </a:extLst>
+          </p:cNvPr>
+          <p:cNvSpPr txBox="1"/>
+          <p:nvPr/>
+        </p:nvSpPr>
+        <p:spPr>
+          <a:xfrm>
+            <a:off x="2011137" y="2568208"/>
+            <a:ext cx="279400" cy="369332"/>
+          </a:xfrm>
+          <a:prstGeom prst="rect">
+            <a:avLst/>
+          </a:prstGeom>
+          <a:noFill/>
+        </p:spPr>
+        <p:txBody>
+          <a:bodyPr wrap="square" rtlCol="0">
+            <a:spAutoFit/>
+          </a:bodyPr>
+          <a:lstStyle/>
+          <a:p>
+            <a:pPr algn="ctr"/>
+            <a:r>
+              <a:rPr lang="en-US" altLang="ja-JP" dirty="0">
+                <a:latin typeface="Meiryo" panose="020B0604030504040204" pitchFamily="34" charset="-128"/>
+                <a:ea typeface="Meiryo" panose="020B0604030504040204" pitchFamily="34" charset="-128"/>
+              </a:rPr>
+              <a:t>6</a:t>
+            </a:r>
+            <a:endParaRPr kumimoji="1" lang="ja-JP" altLang="en-US">
+              <a:latin typeface="Meiryo" panose="020B0604030504040204" pitchFamily="34" charset="-128"/>
+              <a:ea typeface="Meiryo" panose="020B0604030504040204" pitchFamily="34" charset="-128"/>
+            </a:endParaRPr>
+          </a:p>
+        </p:txBody>
+      </p:sp>
+      <p:sp>
+        <p:nvSpPr>
+          <p:cNvPr id="23" name="テキスト ボックス 22">
+            <a:extLst>
+              <a:ext uri="{FF2B5EF4-FFF2-40B4-BE49-F238E27FC236}">
+                <a16:creationId xmlns:a16="http://schemas.microsoft.com/office/drawing/2014/main" id="{965FC6EC-1DE7-204D-BCB8-0209A7948899}"/>
+              </a:ext>
+            </a:extLst>
+          </p:cNvPr>
+          <p:cNvSpPr txBox="1"/>
+          <p:nvPr/>
+        </p:nvSpPr>
+        <p:spPr>
+          <a:xfrm>
+            <a:off x="2011137" y="904838"/>
+            <a:ext cx="279400" cy="369332"/>
+          </a:xfrm>
+          <a:prstGeom prst="rect">
+            <a:avLst/>
+          </a:prstGeom>
+          <a:noFill/>
+        </p:spPr>
+        <p:txBody>
+          <a:bodyPr wrap="square" rtlCol="0">
+            <a:spAutoFit/>
+          </a:bodyPr>
+          <a:lstStyle/>
+          <a:p>
+            <a:pPr algn="ctr"/>
+            <a:r>
+              <a:rPr lang="en-US" altLang="ja-JP" dirty="0">
+                <a:latin typeface="Meiryo" panose="020B0604030504040204" pitchFamily="34" charset="-128"/>
+                <a:ea typeface="Meiryo" panose="020B0604030504040204" pitchFamily="34" charset="-128"/>
+              </a:rPr>
+              <a:t>5</a:t>
+            </a:r>
+            <a:endParaRPr kumimoji="1" lang="ja-JP" altLang="en-US">
+              <a:latin typeface="Meiryo" panose="020B0604030504040204" pitchFamily="34" charset="-128"/>
+              <a:ea typeface="Meiryo" panose="020B0604030504040204" pitchFamily="34" charset="-128"/>
+            </a:endParaRPr>
+          </a:p>
+        </p:txBody>
+      </p:sp>
+      <p:sp>
+        <p:nvSpPr>
+          <p:cNvPr id="24" name="テキスト ボックス 23">
+            <a:extLst>
+              <a:ext uri="{FF2B5EF4-FFF2-40B4-BE49-F238E27FC236}">
+                <a16:creationId xmlns:a16="http://schemas.microsoft.com/office/drawing/2014/main" id="{E513C458-A442-BA45-A8DE-39D76181F18D}"/>
+              </a:ext>
+            </a:extLst>
+          </p:cNvPr>
+          <p:cNvSpPr txBox="1"/>
+          <p:nvPr/>
+        </p:nvSpPr>
+        <p:spPr>
+          <a:xfrm>
+            <a:off x="1371298" y="192410"/>
+            <a:ext cx="1611687" cy="646331"/>
+          </a:xfrm>
+          <a:prstGeom prst="rect">
+            <a:avLst/>
+          </a:prstGeom>
+          <a:noFill/>
+        </p:spPr>
+        <p:txBody>
+          <a:bodyPr wrap="square" rtlCol="0">
+            <a:spAutoFit/>
+          </a:bodyPr>
+          <a:lstStyle/>
+          <a:p>
+            <a:pPr algn="ctr"/>
+            <a:r>
+              <a:rPr kumimoji="1" lang="ja-JP" altLang="en-US">
+                <a:latin typeface="Meiryo" panose="020B0604030504040204" pitchFamily="34" charset="-128"/>
+                <a:ea typeface="Meiryo" panose="020B0604030504040204" pitchFamily="34" charset="-128"/>
+              </a:rPr>
+              <a:t>右から</a:t>
+            </a:r>
+            <a:endParaRPr kumimoji="1" lang="en-US" altLang="ja-JP" dirty="0">
+              <a:latin typeface="Meiryo" panose="020B0604030504040204" pitchFamily="34" charset="-128"/>
+              <a:ea typeface="Meiryo" panose="020B0604030504040204" pitchFamily="34" charset="-128"/>
+            </a:endParaRPr>
+          </a:p>
+          <a:p>
+            <a:pPr algn="ctr"/>
+            <a:r>
+              <a:rPr kumimoji="1" lang="ja-JP" altLang="en-US">
+                <a:latin typeface="Meiryo" panose="020B0604030504040204" pitchFamily="34" charset="-128"/>
+                <a:ea typeface="Meiryo" panose="020B0604030504040204" pitchFamily="34" charset="-128"/>
+              </a:rPr>
+              <a:t>何番目か</a:t>
+            </a:r>
+          </a:p>
+        </p:txBody>
+      </p:sp>
+      <p:pic>
+        <p:nvPicPr>
+          <p:cNvPr id="25" name="図 24" descr="ダイアグラム&#10;&#10;自動的に生成された説明">
+            <a:extLst>
+              <a:ext uri="{FF2B5EF4-FFF2-40B4-BE49-F238E27FC236}">
+                <a16:creationId xmlns:a16="http://schemas.microsoft.com/office/drawing/2014/main" id="{8680A243-0A10-BB49-99F8-D955520DF907}"/>
+              </a:ext>
+            </a:extLst>
+          </p:cNvPr>
+          <p:cNvPicPr>
+            <a:picLocks noChangeAspect="1"/>
+          </p:cNvPicPr>
+          <p:nvPr/>
+        </p:nvPicPr>
+        <p:blipFill>
+          <a:blip r:embed="rId3"/>
+          <a:stretch>
+            <a:fillRect/>
+          </a:stretch>
+        </p:blipFill>
+        <p:spPr>
+          <a:xfrm>
+            <a:off x="5759665" y="838741"/>
+            <a:ext cx="6102135" cy="4886325"/>
+          </a:xfrm>
+          <a:prstGeom prst="rect">
+            <a:avLst/>
+          </a:prstGeom>
+        </p:spPr>
+      </p:pic>
+      <p:sp>
+        <p:nvSpPr>
+          <p:cNvPr id="3" name="テキスト ボックス 2">
+            <a:extLst>
+              <a:ext uri="{FF2B5EF4-FFF2-40B4-BE49-F238E27FC236}">
+                <a16:creationId xmlns:a16="http://schemas.microsoft.com/office/drawing/2014/main" id="{2B2E7369-F886-F940-8B53-7498B563A05A}"/>
+              </a:ext>
+            </a:extLst>
+          </p:cNvPr>
+          <p:cNvSpPr txBox="1"/>
+          <p:nvPr/>
+        </p:nvSpPr>
+        <p:spPr>
+          <a:xfrm>
+            <a:off x="3136551" y="2568208"/>
+            <a:ext cx="2469548" cy="923330"/>
+          </a:xfrm>
+          <a:prstGeom prst="rect">
+            <a:avLst/>
+          </a:prstGeom>
+          <a:noFill/>
+        </p:spPr>
+        <p:txBody>
+          <a:bodyPr wrap="square" rtlCol="0">
+            <a:spAutoFit/>
+          </a:bodyPr>
+          <a:lstStyle/>
+          <a:p>
+            <a:pPr algn="ctr"/>
+            <a:r>
+              <a:rPr kumimoji="1" lang="ja-JP" altLang="en-US">
+                <a:latin typeface="Meiryo" panose="020B0604030504040204" pitchFamily="34" charset="-128"/>
+                <a:ea typeface="Meiryo" panose="020B0604030504040204" pitchFamily="34" charset="-128"/>
+              </a:rPr>
+              <a:t>特殊解錠工具を使って</a:t>
+            </a:r>
+            <a:endParaRPr kumimoji="1" lang="en-US" altLang="ja-JP" dirty="0">
+              <a:latin typeface="Meiryo" panose="020B0604030504040204" pitchFamily="34" charset="-128"/>
+              <a:ea typeface="Meiryo" panose="020B0604030504040204" pitchFamily="34" charset="-128"/>
+            </a:endParaRPr>
+          </a:p>
+          <a:p>
+            <a:pPr algn="ctr"/>
+            <a:r>
+              <a:rPr lang="ja-JP" altLang="en-US">
+                <a:latin typeface="Meiryo" panose="020B0604030504040204" pitchFamily="34" charset="-128"/>
+                <a:ea typeface="Meiryo" panose="020B0604030504040204" pitchFamily="34" charset="-128"/>
+              </a:rPr>
+              <a:t>ピンを</a:t>
+            </a:r>
+            <a:r>
+              <a:rPr lang="en-US" altLang="ja-JP" dirty="0">
+                <a:latin typeface="Meiryo" panose="020B0604030504040204" pitchFamily="34" charset="-128"/>
+                <a:ea typeface="Meiryo" panose="020B0604030504040204" pitchFamily="34" charset="-128"/>
+              </a:rPr>
+              <a:t>1</a:t>
+            </a:r>
+            <a:r>
+              <a:rPr lang="ja-JP" altLang="en-US">
+                <a:latin typeface="Meiryo" panose="020B0604030504040204" pitchFamily="34" charset="-128"/>
+                <a:ea typeface="Meiryo" panose="020B0604030504040204" pitchFamily="34" charset="-128"/>
+              </a:rPr>
+              <a:t>つづつ順に</a:t>
+            </a:r>
+            <a:endParaRPr lang="en-US" altLang="ja-JP" dirty="0">
+              <a:latin typeface="Meiryo" panose="020B0604030504040204" pitchFamily="34" charset="-128"/>
+              <a:ea typeface="Meiryo" panose="020B0604030504040204" pitchFamily="34" charset="-128"/>
+            </a:endParaRPr>
+          </a:p>
+          <a:p>
+            <a:pPr algn="ctr"/>
+            <a:r>
+              <a:rPr lang="ja-JP" altLang="en-US">
+                <a:latin typeface="Meiryo" panose="020B0604030504040204" pitchFamily="34" charset="-128"/>
+                <a:ea typeface="Meiryo" panose="020B0604030504040204" pitchFamily="34" charset="-128"/>
+              </a:rPr>
+              <a:t>揃えていく</a:t>
+            </a:r>
+            <a:endParaRPr kumimoji="1" lang="ja-JP" altLang="en-US">
+              <a:latin typeface="Meiryo" panose="020B0604030504040204" pitchFamily="34" charset="-128"/>
+              <a:ea typeface="Meiryo" panose="020B0604030504040204" pitchFamily="34" charset="-128"/>
+            </a:endParaRPr>
+          </a:p>
+        </p:txBody>
+      </p:sp>
+      <p:sp>
+        <p:nvSpPr>
+          <p:cNvPr id="4" name="右矢印 3">
+            <a:extLst>
+              <a:ext uri="{FF2B5EF4-FFF2-40B4-BE49-F238E27FC236}">
+                <a16:creationId xmlns:a16="http://schemas.microsoft.com/office/drawing/2014/main" id="{5F200F3A-653F-7C45-BD9D-CDA5C0E54C4F}"/>
+              </a:ext>
+            </a:extLst>
+          </p:cNvPr>
+          <p:cNvSpPr/>
+          <p:nvPr/>
+        </p:nvSpPr>
+        <p:spPr>
+          <a:xfrm>
+            <a:off x="2982985" y="3491538"/>
+            <a:ext cx="2715082" cy="308694"/>
+          </a:xfrm>
+          <a:prstGeom prst="rightArrow">
+            <a:avLst/>
+          </a:prstGeom>
+          <a:solidFill>
+            <a:schemeClr val="bg2">
+              <a:lumMod val="50000"/>
+            </a:schemeClr>
+          </a:solidFill>
+          <a:ln>
+            <a:noFill/>
+          </a:ln>
+        </p:spPr>
+        <p:style>
+          <a:lnRef idx="2">
+            <a:schemeClr val="accent1">
+              <a:shade val="50000"/>
+            </a:schemeClr>
+          </a:lnRef>
+          <a:fillRef idx="1">
+            <a:schemeClr val="accent1"/>
+          </a:fillRef>
+          <a:effectRef idx="0">
+            <a:schemeClr val="accent1"/>
+          </a:effectRef>
+          <a:fontRef idx="minor">
+            <a:schemeClr val="lt1"/>
+          </a:fontRef>
+        </p:style>
+        <p:txBody>
+          <a:bodyPr rtlCol="0" anchor="ctr"/>
+          <a:lstStyle/>
+          <a:p>
+            <a:pPr algn="ctr"/>
+            <a:endParaRPr kumimoji="1" lang="ja-JP" altLang="en-US"/>
+          </a:p>
+        </p:txBody>
+      </p:sp>
+      <p:sp>
+        <p:nvSpPr>
+          <p:cNvPr id="27" name="正方形/長方形 26">
+            <a:extLst>
+              <a:ext uri="{FF2B5EF4-FFF2-40B4-BE49-F238E27FC236}">
+                <a16:creationId xmlns:a16="http://schemas.microsoft.com/office/drawing/2014/main" id="{01B3E86E-308C-E742-A1D6-59EE174CEB45}"/>
+              </a:ext>
+            </a:extLst>
+          </p:cNvPr>
+          <p:cNvSpPr/>
+          <p:nvPr/>
+        </p:nvSpPr>
+        <p:spPr>
+          <a:xfrm>
+            <a:off x="8307833" y="5743506"/>
+            <a:ext cx="2518831" cy="369332"/>
+          </a:xfrm>
+          <a:prstGeom prst="rect">
+            <a:avLst/>
+          </a:prstGeom>
+        </p:spPr>
+        <p:txBody>
+          <a:bodyPr wrap="none">
+            <a:spAutoFit/>
+          </a:bodyPr>
+          <a:lstStyle/>
+          <a:p>
+            <a:r>
+              <a:rPr lang="en" altLang="ja-JP" b="0" dirty="0">
+                <a:effectLst/>
+                <a:latin typeface="Helvetica" pitchFamily="2" charset="0"/>
+              </a:rPr>
+              <a:t>https://www.alsok.co.jp</a:t>
+            </a:r>
+          </a:p>
+        </p:txBody>
+      </p:sp>
+    </p:spTree>
+    <p:extLst>
+      <p:ext uri="{BB962C8B-B14F-4D97-AF65-F5344CB8AC3E}">
+        <p14:creationId xmlns:p14="http://schemas.microsoft.com/office/powerpoint/2010/main" val="651411252"/>
       </p:ext>
     </p:extLst>
   </p:cSld>
@@ -4577,4 +6100,299 @@
     </a:ext>
   </a:extLst>
 </a:theme>
+</file>
+
+<file path=ppt/theme/theme2.xml><?xml version="1.0" encoding="utf-8"?>
+<a:theme xmlns:a="http://schemas.openxmlformats.org/drawingml/2006/main" name="Office テーマ">
+  <a:themeElements>
+    <a:clrScheme name="Office">
+      <a:dk1>
+        <a:sysClr val="windowText" lastClr="000000"/>
+      </a:dk1>
+      <a:lt1>
+        <a:sysClr val="window" lastClr="FFFFFF"/>
+      </a:lt1>
+      <a:dk2>
+        <a:srgbClr val="44546A"/>
+      </a:dk2>
+      <a:lt2>
+        <a:srgbClr val="E7E6E6"/>
+      </a:lt2>
+      <a:accent1>
+        <a:srgbClr val="4472C4"/>
+      </a:accent1>
+      <a:accent2>
+        <a:srgbClr val="ED7D31"/>
+      </a:accent2>
+      <a:accent3>
+        <a:srgbClr val="A5A5A5"/>
+      </a:accent3>
+      <a:accent4>
+        <a:srgbClr val="FFC000"/>
+      </a:accent4>
+      <a:accent5>
+        <a:srgbClr val="5B9BD5"/>
+      </a:accent5>
+      <a:accent6>
+        <a:srgbClr val="70AD47"/>
+      </a:accent6>
+      <a:hlink>
+        <a:srgbClr val="0563C1"/>
+      </a:hlink>
+      <a:folHlink>
+        <a:srgbClr val="954F72"/>
+      </a:folHlink>
+    </a:clrScheme>
+    <a:fontScheme name="Office">
+      <a:majorFont>
+        <a:latin typeface="游ゴシック Light" panose="020F0302020204030204"/>
+        <a:ea typeface=""/>
+        <a:cs typeface=""/>
+        <a:font script="Jpan" typeface="游ゴシック Light"/>
+        <a:font script="Hang" typeface="맑은 고딕"/>
+        <a:font script="Hans" typeface="等线 Light"/>
+        <a:font script="Hant" typeface="新細明體"/>
+        <a:font script="Arab" typeface="Times New Roman"/>
+        <a:font script="Hebr" typeface="Times New Roman"/>
+        <a:font script="Thai" typeface="Angsana New"/>
+        <a:font script="Ethi" typeface="Nyala"/>
+        <a:font script="Beng" typeface="Vrinda"/>
+        <a:font script="Gujr" typeface="Shruti"/>
+        <a:font script="Khmr" typeface="MoolBoran"/>
+        <a:font script="Knda" typeface="Tunga"/>
+        <a:font script="Guru" typeface="Raavi"/>
+        <a:font script="Cans" typeface="Euphemia"/>
+        <a:font script="Cher" typeface="Plantagenet Cherokee"/>
+        <a:font script="Yiii" typeface="Microsoft Yi Baiti"/>
+        <a:font script="Tibt" typeface="Microsoft Himalaya"/>
+        <a:font script="Thaa" typeface="MV Boli"/>
+        <a:font script="Deva" typeface="Mangal"/>
+        <a:font script="Telu" typeface="Gautami"/>
+        <a:font script="Taml" typeface="Latha"/>
+        <a:font script="Syrc" typeface="Estrangelo Edessa"/>
+        <a:font script="Orya" typeface="Kalinga"/>
+        <a:font script="Mlym" typeface="Kartika"/>
+        <a:font script="Laoo" typeface="DokChampa"/>
+        <a:font script="Sinh" typeface="Iskoola Pota"/>
+        <a:font script="Mong" typeface="Mongolian Baiti"/>
+        <a:font script="Viet" typeface="Times New Roman"/>
+        <a:font script="Uigh" typeface="Microsoft Uighur"/>
+        <a:font script="Geor" typeface="Sylfaen"/>
+        <a:font script="Armn" typeface="Arial"/>
+        <a:font script="Bugi" typeface="Leelawadee UI"/>
+        <a:font script="Bopo" typeface="Microsoft JhengHei"/>
+        <a:font script="Java" typeface="Javanese Text"/>
+        <a:font script="Lisu" typeface="Segoe UI"/>
+        <a:font script="Mymr" typeface="Myanmar Text"/>
+        <a:font script="Nkoo" typeface="Ebrima"/>
+        <a:font script="Olck" typeface="Nirmala UI"/>
+        <a:font script="Osma" typeface="Ebrima"/>
+        <a:font script="Phag" typeface="Phagspa"/>
+        <a:font script="Syrn" typeface="Estrangelo Edessa"/>
+        <a:font script="Syrj" typeface="Estrangelo Edessa"/>
+        <a:font script="Syre" typeface="Estrangelo Edessa"/>
+        <a:font script="Sora" typeface="Nirmala UI"/>
+        <a:font script="Tale" typeface="Microsoft Tai Le"/>
+        <a:font script="Talu" typeface="Microsoft New Tai Lue"/>
+        <a:font script="Tfng" typeface="Ebrima"/>
+      </a:majorFont>
+      <a:minorFont>
+        <a:latin typeface="游ゴシック" panose="020F0502020204030204"/>
+        <a:ea typeface=""/>
+        <a:cs typeface=""/>
+        <a:font script="Jpan" typeface="游ゴシック"/>
+        <a:font script="Hang" typeface="맑은 고딕"/>
+        <a:font script="Hans" typeface="等线"/>
+        <a:font script="Hant" typeface="新細明體"/>
+        <a:font script="Arab" typeface="Arial"/>
+        <a:font script="Hebr" typeface="Arial"/>
+        <a:font script="Thai" typeface="Cordia New"/>
+        <a:font script="Ethi" typeface="Nyala"/>
+        <a:font script="Beng" typeface="Vrinda"/>
+        <a:font script="Gujr" typeface="Shruti"/>
+        <a:font script="Khmr" typeface="DaunPenh"/>
+        <a:font script="Knda" typeface="Tunga"/>
+        <a:font script="Guru" typeface="Raavi"/>
+        <a:font script="Cans" typeface="Euphemia"/>
+        <a:font script="Cher" typeface="Plantagenet Cherokee"/>
+        <a:font script="Yiii" typeface="Microsoft Yi Baiti"/>
+        <a:font script="Tibt" typeface="Microsoft Himalaya"/>
+        <a:font script="Thaa" typeface="MV Boli"/>
+        <a:font script="Deva" typeface="Mangal"/>
+        <a:font script="Telu" typeface="Gautami"/>
+        <a:font script="Taml" typeface="Latha"/>
+        <a:font script="Syrc" typeface="Estrangelo Edessa"/>
+        <a:font script="Orya" typeface="Kalinga"/>
+        <a:font script="Mlym" typeface="Kartika"/>
+        <a:font script="Laoo" typeface="DokChampa"/>
+        <a:font script="Sinh" typeface="Iskoola Pota"/>
+        <a:font script="Mong" typeface="Mongolian Baiti"/>
+        <a:font script="Viet" typeface="Arial"/>
+        <a:font script="Uigh" typeface="Microsoft Uighur"/>
+        <a:font script="Geor" typeface="Sylfaen"/>
+        <a:font script="Armn" typeface="Arial"/>
+        <a:font script="Bugi" typeface="Leelawadee UI"/>
+        <a:font script="Bopo" typeface="Microsoft JhengHei"/>
+        <a:font script="Java" typeface="Javanese Text"/>
+        <a:font script="Lisu" typeface="Segoe UI"/>
+        <a:font script="Mymr" typeface="Myanmar Text"/>
+        <a:font script="Nkoo" typeface="Ebrima"/>
+        <a:font script="Olck" typeface="Nirmala UI"/>
+        <a:font script="Osma" typeface="Ebrima"/>
+        <a:font script="Phag" typeface="Phagspa"/>
+        <a:font script="Syrn" typeface="Estrangelo Edessa"/>
+        <a:font script="Syrj" typeface="Estrangelo Edessa"/>
+        <a:font script="Syre" typeface="Estrangelo Edessa"/>
+        <a:font script="Sora" typeface="Nirmala UI"/>
+        <a:font script="Tale" typeface="Microsoft Tai Le"/>
+        <a:font script="Talu" typeface="Microsoft New Tai Lue"/>
+        <a:font script="Tfng" typeface="Ebrima"/>
+      </a:minorFont>
+    </a:fontScheme>
+    <a:fmtScheme name="Office">
+      <a:fillStyleLst>
+        <a:solidFill>
+          <a:schemeClr val="phClr"/>
+        </a:solidFill>
+        <a:gradFill rotWithShape="1">
+          <a:gsLst>
+            <a:gs pos="0">
+              <a:schemeClr val="phClr">
+                <a:lumMod val="110000"/>
+                <a:satMod val="105000"/>
+                <a:tint val="67000"/>
+              </a:schemeClr>
+            </a:gs>
+            <a:gs pos="50000">
+              <a:schemeClr val="phClr">
+                <a:lumMod val="105000"/>
+                <a:satMod val="103000"/>
+                <a:tint val="73000"/>
+              </a:schemeClr>
+            </a:gs>
+            <a:gs pos="100000">
+              <a:schemeClr val="phClr">
+                <a:lumMod val="105000"/>
+                <a:satMod val="109000"/>
+                <a:tint val="81000"/>
+              </a:schemeClr>
+            </a:gs>
+          </a:gsLst>
+          <a:lin ang="5400000" scaled="0"/>
+        </a:gradFill>
+        <a:gradFill rotWithShape="1">
+          <a:gsLst>
+            <a:gs pos="0">
+              <a:schemeClr val="phClr">
+                <a:satMod val="103000"/>
+                <a:lumMod val="102000"/>
+                <a:tint val="94000"/>
+              </a:schemeClr>
+            </a:gs>
+            <a:gs pos="50000">
+              <a:schemeClr val="phClr">
+                <a:satMod val="110000"/>
+                <a:lumMod val="100000"/>
+                <a:shade val="100000"/>
+              </a:schemeClr>
+            </a:gs>
+            <a:gs pos="100000">
+              <a:schemeClr val="phClr">
+                <a:lumMod val="99000"/>
+                <a:satMod val="120000"/>
+                <a:shade val="78000"/>
+              </a:schemeClr>
+            </a:gs>
+          </a:gsLst>
+          <a:lin ang="5400000" scaled="0"/>
+        </a:gradFill>
+      </a:fillStyleLst>
+      <a:lnStyleLst>
+        <a:ln w="6350" cap="flat" cmpd="sng" algn="ctr">
+          <a:solidFill>
+            <a:schemeClr val="phClr"/>
+          </a:solidFill>
+          <a:prstDash val="solid"/>
+          <a:miter lim="800000"/>
+        </a:ln>
+        <a:ln w="12700" cap="flat" cmpd="sng" algn="ctr">
+          <a:solidFill>
+            <a:schemeClr val="phClr"/>
+          </a:solidFill>
+          <a:prstDash val="solid"/>
+          <a:miter lim="800000"/>
+        </a:ln>
+        <a:ln w="19050" cap="flat" cmpd="sng" algn="ctr">
+          <a:solidFill>
+            <a:schemeClr val="phClr"/>
+          </a:solidFill>
+          <a:prstDash val="solid"/>
+          <a:miter lim="800000"/>
+        </a:ln>
+      </a:lnStyleLst>
+      <a:effectStyleLst>
+        <a:effectStyle>
+          <a:effectLst/>
+        </a:effectStyle>
+        <a:effectStyle>
+          <a:effectLst/>
+        </a:effectStyle>
+        <a:effectStyle>
+          <a:effectLst>
+            <a:outerShdw blurRad="57150" dist="19050" dir="5400000" algn="ctr" rotWithShape="0">
+              <a:srgbClr val="000000">
+                <a:alpha val="63000"/>
+              </a:srgbClr>
+            </a:outerShdw>
+          </a:effectLst>
+        </a:effectStyle>
+      </a:effectStyleLst>
+      <a:bgFillStyleLst>
+        <a:solidFill>
+          <a:schemeClr val="phClr"/>
+        </a:solidFill>
+        <a:solidFill>
+          <a:schemeClr val="phClr">
+            <a:tint val="95000"/>
+            <a:satMod val="170000"/>
+          </a:schemeClr>
+        </a:solidFill>
+        <a:gradFill rotWithShape="1">
+          <a:gsLst>
+            <a:gs pos="0">
+              <a:schemeClr val="phClr">
+                <a:tint val="93000"/>
+                <a:satMod val="150000"/>
+                <a:shade val="98000"/>
+                <a:lumMod val="102000"/>
+              </a:schemeClr>
+            </a:gs>
+            <a:gs pos="50000">
+              <a:schemeClr val="phClr">
+                <a:tint val="98000"/>
+                <a:satMod val="130000"/>
+                <a:shade val="90000"/>
+                <a:lumMod val="103000"/>
+              </a:schemeClr>
+            </a:gs>
+            <a:gs pos="100000">
+              <a:schemeClr val="phClr">
+                <a:shade val="63000"/>
+                <a:satMod val="120000"/>
+              </a:schemeClr>
+            </a:gs>
+          </a:gsLst>
+          <a:lin ang="5400000" scaled="0"/>
+        </a:gradFill>
+      </a:bgFillStyleLst>
+    </a:fmtScheme>
+  </a:themeElements>
+  <a:objectDefaults/>
+  <a:extraClrSchemeLst/>
+  <a:extLst>
+    <a:ext uri="{05A4C25C-085E-4340-85A3-A5531E510DB2}">
+      <thm15:themeFamily xmlns:thm15="http://schemas.microsoft.com/office/thememl/2012/main" name="Office Theme" id="{62F939B6-93AF-4DB8-9C6B-D6C7DFDC589F}" vid="{4A3C46E8-61CC-4603-A589-7422A47A8E4A}"/>
+    </a:ext>
+  </a:extLst>
+</a:theme>
 </file>